--- a/Project 2/milestone2.pptx
+++ b/Project 2/milestone2.pptx
@@ -3261,12 +3261,26 @@
           </a:xfrm>
         </p:spPr>
         <p:txBody>
-          <a:bodyPr/>
+          <a:bodyPr>
+            <a:normAutofit fontScale="90000"/>
+          </a:bodyPr>
           <a:lstStyle/>
           <a:p>
             <a:r>
               <a:rPr lang="en-US" dirty="0" smtClean="0"/>
-              <a:t>Calendar Activities</a:t>
+              <a:t>Calendar Activities – add to </a:t>
+            </a:r>
+            <a:r>
+              <a:rPr lang="en-US" dirty="0" err="1" smtClean="0"/>
+              <a:t>google</a:t>
+            </a:r>
+            <a:r>
+              <a:rPr lang="en-US" dirty="0" smtClean="0"/>
+              <a:t> </a:t>
+            </a:r>
+            <a:r>
+              <a:rPr lang="en-US" dirty="0" err="1" smtClean="0"/>
+              <a:t>calandar</a:t>
             </a:r>
             <a:endParaRPr lang="en-US" dirty="0"/>
           </a:p>
@@ -5415,7 +5429,7 @@
                     <a:srgbClr val="000000"/>
                   </a:solidFill>
                 </a:rPr>
-                <a:t>Time:</a:t>
+                <a:t>Time/Date:</a:t>
               </a:r>
               <a:r>
                 <a:rPr lang="en-US" dirty="0" smtClean="0">
@@ -5423,7 +5437,7 @@
                     <a:srgbClr val="000000"/>
                   </a:solidFill>
                 </a:rPr>
-                <a:t>	Thursday at 7pm</a:t>
+                <a:t>	Thursday 4/13 at 7pm</a:t>
               </a:r>
               <a:endParaRPr lang="en-US" dirty="0">
                 <a:solidFill>

--- a/Project 2/milestone2.pptx
+++ b/Project 2/milestone2.pptx
@@ -107,6 +107,22 @@
       </a:defRPr>
     </a:lvl9pPr>
   </p:defaultTextStyle>
+  <p:extLst>
+    <p:ext uri="{EFAFB233-063F-42B5-8137-9DF3F51BA10A}">
+      <p15:sldGuideLst xmlns:p15="http://schemas.microsoft.com/office/powerpoint/2012/main">
+        <p15:guide id="1" orient="horz" pos="2528">
+          <p15:clr>
+            <a:srgbClr val="A4A3A4"/>
+          </p15:clr>
+        </p15:guide>
+        <p15:guide id="2" pos="2880">
+          <p15:clr>
+            <a:srgbClr val="A4A3A4"/>
+          </p15:clr>
+        </p15:guide>
+      </p15:sldGuideLst>
+    </p:ext>
+  </p:extLst>
 </p:presentation>
 </file>
 
@@ -291,7 +307,7 @@
           <a:p>
             <a:fld id="{E71A1C45-ED14-3745-A007-B9860071E4D0}" type="datetimeFigureOut">
               <a:rPr lang="en-US" smtClean="0"/>
-              <a:t>4/13/17</a:t>
+              <a:t>5/1/17</a:t>
             </a:fld>
             <a:endParaRPr lang="en-US"/>
           </a:p>
@@ -461,7 +477,7 @@
           <a:p>
             <a:fld id="{E71A1C45-ED14-3745-A007-B9860071E4D0}" type="datetimeFigureOut">
               <a:rPr lang="en-US" smtClean="0"/>
-              <a:t>4/13/17</a:t>
+              <a:t>5/1/17</a:t>
             </a:fld>
             <a:endParaRPr lang="en-US"/>
           </a:p>
@@ -641,7 +657,7 @@
           <a:p>
             <a:fld id="{E71A1C45-ED14-3745-A007-B9860071E4D0}" type="datetimeFigureOut">
               <a:rPr lang="en-US" smtClean="0"/>
-              <a:t>4/13/17</a:t>
+              <a:t>5/1/17</a:t>
             </a:fld>
             <a:endParaRPr lang="en-US"/>
           </a:p>
@@ -811,7 +827,7 @@
           <a:p>
             <a:fld id="{E71A1C45-ED14-3745-A007-B9860071E4D0}" type="datetimeFigureOut">
               <a:rPr lang="en-US" smtClean="0"/>
-              <a:t>4/13/17</a:t>
+              <a:t>5/1/17</a:t>
             </a:fld>
             <a:endParaRPr lang="en-US"/>
           </a:p>
@@ -1057,7 +1073,7 @@
           <a:p>
             <a:fld id="{E71A1C45-ED14-3745-A007-B9860071E4D0}" type="datetimeFigureOut">
               <a:rPr lang="en-US" smtClean="0"/>
-              <a:t>4/13/17</a:t>
+              <a:t>5/1/17</a:t>
             </a:fld>
             <a:endParaRPr lang="en-US"/>
           </a:p>
@@ -1345,7 +1361,7 @@
           <a:p>
             <a:fld id="{E71A1C45-ED14-3745-A007-B9860071E4D0}" type="datetimeFigureOut">
               <a:rPr lang="en-US" smtClean="0"/>
-              <a:t>4/13/17</a:t>
+              <a:t>5/1/17</a:t>
             </a:fld>
             <a:endParaRPr lang="en-US"/>
           </a:p>
@@ -1767,7 +1783,7 @@
           <a:p>
             <a:fld id="{E71A1C45-ED14-3745-A007-B9860071E4D0}" type="datetimeFigureOut">
               <a:rPr lang="en-US" smtClean="0"/>
-              <a:t>4/13/17</a:t>
+              <a:t>5/1/17</a:t>
             </a:fld>
             <a:endParaRPr lang="en-US"/>
           </a:p>
@@ -1885,7 +1901,7 @@
           <a:p>
             <a:fld id="{E71A1C45-ED14-3745-A007-B9860071E4D0}" type="datetimeFigureOut">
               <a:rPr lang="en-US" smtClean="0"/>
-              <a:t>4/13/17</a:t>
+              <a:t>5/1/17</a:t>
             </a:fld>
             <a:endParaRPr lang="en-US"/>
           </a:p>
@@ -1980,7 +1996,7 @@
           <a:p>
             <a:fld id="{E71A1C45-ED14-3745-A007-B9860071E4D0}" type="datetimeFigureOut">
               <a:rPr lang="en-US" smtClean="0"/>
-              <a:t>4/13/17</a:t>
+              <a:t>5/1/17</a:t>
             </a:fld>
             <a:endParaRPr lang="en-US"/>
           </a:p>
@@ -2257,7 +2273,7 @@
           <a:p>
             <a:fld id="{E71A1C45-ED14-3745-A007-B9860071E4D0}" type="datetimeFigureOut">
               <a:rPr lang="en-US" smtClean="0"/>
-              <a:t>4/13/17</a:t>
+              <a:t>5/1/17</a:t>
             </a:fld>
             <a:endParaRPr lang="en-US"/>
           </a:p>
@@ -2510,7 +2526,7 @@
           <a:p>
             <a:fld id="{E71A1C45-ED14-3745-A007-B9860071E4D0}" type="datetimeFigureOut">
               <a:rPr lang="en-US" smtClean="0"/>
-              <a:t>4/13/17</a:t>
+              <a:t>5/1/17</a:t>
             </a:fld>
             <a:endParaRPr lang="en-US"/>
           </a:p>
@@ -2723,7 +2739,7 @@
           <a:p>
             <a:fld id="{E71A1C45-ED14-3745-A007-B9860071E4D0}" type="datetimeFigureOut">
               <a:rPr lang="en-US" smtClean="0"/>
-              <a:t>4/13/17</a:t>
+              <a:t>5/1/17</a:t>
             </a:fld>
             <a:endParaRPr lang="en-US"/>
           </a:p>
@@ -3150,24 +3166,16 @@
           <a:p>
             <a:r>
               <a:rPr lang="en-US" dirty="0" smtClean="0"/>
-              <a:t>Milestone </a:t>
-            </a:r>
+              <a:t>Milestone 2</a:t>
+            </a:r>
+          </a:p>
+          <a:p>
+            <a:endParaRPr lang="en-US" dirty="0"/>
+          </a:p>
+          <a:p>
             <a:r>
               <a:rPr lang="en-US" dirty="0" smtClean="0"/>
-              <a:t>2</a:t>
-            </a:r>
-          </a:p>
-          <a:p>
-            <a:endParaRPr lang="en-US" dirty="0"/>
-          </a:p>
-          <a:p>
-            <a:r>
-              <a:rPr lang="en-US" dirty="0" smtClean="0"/>
-              <a:t>Android App with Calendar </a:t>
-            </a:r>
-            <a:r>
-              <a:rPr lang="en-US" dirty="0" smtClean="0"/>
-              <a:t>View </a:t>
+              <a:t>Android App with Calendar View </a:t>
             </a:r>
             <a:r>
               <a:rPr lang="en-US" dirty="0"/>
@@ -3175,11 +3183,7 @@
             </a:r>
             <a:r>
               <a:rPr lang="en-US" dirty="0" smtClean="0"/>
-              <a:t>View that </a:t>
-            </a:r>
-            <a:r>
-              <a:rPr lang="en-US" dirty="0" smtClean="0"/>
-              <a:t>links to Firebase free food event information</a:t>
+              <a:t>View that links to Firebase free food event information</a:t>
             </a:r>
           </a:p>
         </p:txBody>
@@ -5124,7 +5128,7 @@
   <p:timing>
     <p:tnLst>
       <p:par>
-        <p:cTn xmlns:p14="http://schemas.microsoft.com/office/powerpoint/2010/main" id="1" dur="indefinite" restart="never" nodeType="tmRoot"/>
+        <p:cTn id="1" dur="indefinite" restart="never" nodeType="tmRoot"/>
       </p:par>
     </p:tnLst>
   </p:timing>
@@ -5569,7 +5573,15 @@
                     <a:srgbClr val="000000"/>
                   </a:solidFill>
                 </a:rPr>
-                <a:t>Full Email Text:</a:t>
+                <a:t>Full Email </a:t>
+              </a:r>
+              <a:r>
+                <a:rPr lang="en-US" b="1" dirty="0" smtClean="0">
+                  <a:solidFill>
+                    <a:srgbClr val="000000"/>
+                  </a:solidFill>
+                </a:rPr>
+                <a:t>Text (image):</a:t>
               </a:r>
               <a:r>
                 <a:rPr lang="en-US" dirty="0" smtClean="0">
@@ -5677,7 +5689,7 @@
   <p:timing>
     <p:tnLst>
       <p:par>
-        <p:cTn xmlns:p14="http://schemas.microsoft.com/office/powerpoint/2010/main" id="1" dur="indefinite" restart="never" nodeType="tmRoot"/>
+        <p:cTn id="1" dur="indefinite" restart="never" nodeType="tmRoot"/>
       </p:par>
     </p:tnLst>
   </p:timing>
@@ -5766,7 +5778,7 @@
   <p:timing>
     <p:tnLst>
       <p:par>
-        <p:cTn xmlns:p14="http://schemas.microsoft.com/office/powerpoint/2010/main" id="1" dur="indefinite" restart="never" nodeType="tmRoot"/>
+        <p:cTn id="1" dur="indefinite" restart="never" nodeType="tmRoot"/>
       </p:par>
     </p:tnLst>
   </p:timing>
